--- a/mhw2.pptx
+++ b/mhw2.pptx
@@ -14819,15 +14819,7 @@
             </a:r>
             <a:r>
               <a:rPr lang="it-IT" dirty="0"/>
-              <a:t> che adesso </a:t>
-            </a:r>
-            <a:r>
-              <a:rPr lang="it-IT" dirty="0" err="1"/>
-              <a:t>constiene</a:t>
-            </a:r>
-            <a:r>
-              <a:rPr lang="it-IT" dirty="0"/>
-              <a:t> 3 sezioni in più: ricerca, preferiti e altro.</a:t>
+              <a:t> che adesso contiene 3 sezioni in più: ricerca, preferiti e altro.</a:t>
             </a:r>
           </a:p>
           <a:p>
@@ -14839,15 +14831,7 @@
           <a:p>
             <a:r>
               <a:rPr lang="it-IT" dirty="0"/>
-              <a:t>Script.js si </a:t>
-            </a:r>
-            <a:r>
-              <a:rPr lang="it-IT" dirty="0" err="1"/>
-              <a:t>occuoperà</a:t>
-            </a:r>
-            <a:r>
-              <a:rPr lang="it-IT" dirty="0"/>
-              <a:t> di consultare l’array video di contents.js e di contare i video per tipologia. Se il genere ha 0 video verrà nascosto, altrimenti verranno create le card tramite la funzione create_card;</a:t>
+              <a:t>Script.js si occuperà di consultare l’array video di contents.js e di contare i video per tipologia. Se il genere ha 0 video verrà nascosto, altrimenti verranno create le card tramite la funzione create_card;</a:t>
             </a:r>
           </a:p>
         </p:txBody>
@@ -24536,6 +24520,23 @@
 </file>
 
 <file path=customXml/item1.xml><?xml version="1.0" encoding="utf-8"?>
+<p:properties xmlns:p="http://schemas.microsoft.com/office/2006/metadata/properties" xmlns:xsi="http://www.w3.org/2001/XMLSchema-instance" xmlns:pc="http://schemas.microsoft.com/office/infopath/2007/PartnerControls">
+  <documentManagement>
+    <MediaServiceKeyPoints xmlns="dfd927c5-8623-48b7-ae5a-ce54c8032539" xsi:nil="true"/>
+  </documentManagement>
+</p:properties>
+</file>
+
+<file path=customXml/item2.xml><?xml version="1.0" encoding="utf-8"?>
+<?mso-contentType ?>
+<FormTemplates xmlns="http://schemas.microsoft.com/sharepoint/v3/contenttype/forms">
+  <Display>DocumentLibraryForm</Display>
+  <Edit>DocumentLibraryForm</Edit>
+  <New>DocumentLibraryForm</New>
+</FormTemplates>
+</file>
+
+<file path=customXml/item3.xml><?xml version="1.0" encoding="utf-8"?>
 <ct:contentTypeSchema xmlns:ct="http://schemas.microsoft.com/office/2006/metadata/contentType" xmlns:ma="http://schemas.microsoft.com/office/2006/metadata/properties/metaAttributes" ct:_="" ma:_="" ma:contentTypeName="Document" ma:contentTypeID="0x0101000D5D75B721B90A42806E57DEBE17795F" ma:contentTypeVersion="11" ma:contentTypeDescription="Create a new document." ma:contentTypeScope="" ma:versionID="f441ee26d7602081d6108f40f6c38769">
   <xsd:schema xmlns:xsd="http://www.w3.org/2001/XMLSchema" xmlns:xs="http://www.w3.org/2001/XMLSchema" xmlns:p="http://schemas.microsoft.com/office/2006/metadata/properties" xmlns:ns3="dfd927c5-8623-48b7-ae5a-ce54c8032539" xmlns:ns4="17cdc4df-46c2-4dfc-8be1-c19f44aeb7d3" targetNamespace="http://schemas.microsoft.com/office/2006/metadata/properties" ma:root="true" ma:fieldsID="c32a63edfcd1873ba5beee7d971b5abf" ns3:_="" ns4:_="">
     <xsd:import namespace="dfd927c5-8623-48b7-ae5a-ce54c8032539"/>
@@ -24746,24 +24747,32 @@
 </ct:contentTypeSchema>
 </file>
 
-<file path=customXml/item2.xml><?xml version="1.0" encoding="utf-8"?>
-<?mso-contentType ?>
-<FormTemplates xmlns="http://schemas.microsoft.com/sharepoint/v3/contenttype/forms">
-  <Display>DocumentLibraryForm</Display>
-  <Edit>DocumentLibraryForm</Edit>
-  <New>DocumentLibraryForm</New>
-</FormTemplates>
+<file path=customXml/itemProps1.xml><?xml version="1.0" encoding="utf-8"?>
+<ds:datastoreItem xmlns:ds="http://schemas.openxmlformats.org/officeDocument/2006/customXml" ds:itemID="{99919F73-B6C2-4A43-95E2-833EC48925FE}">
+  <ds:schemaRefs>
+    <ds:schemaRef ds:uri="http://schemas.microsoft.com/office/2006/metadata/properties"/>
+    <ds:schemaRef ds:uri="http://purl.org/dc/dcmitype/"/>
+    <ds:schemaRef ds:uri="http://purl.org/dc/elements/1.1/"/>
+    <ds:schemaRef ds:uri="dfd927c5-8623-48b7-ae5a-ce54c8032539"/>
+    <ds:schemaRef ds:uri="http://schemas.microsoft.com/office/2006/documentManagement/types"/>
+    <ds:schemaRef ds:uri="http://purl.org/dc/terms/"/>
+    <ds:schemaRef ds:uri="http://www.w3.org/XML/1998/namespace"/>
+    <ds:schemaRef ds:uri="http://schemas.microsoft.com/office/infopath/2007/PartnerControls"/>
+    <ds:schemaRef ds:uri="http://schemas.openxmlformats.org/package/2006/metadata/core-properties"/>
+    <ds:schemaRef ds:uri="17cdc4df-46c2-4dfc-8be1-c19f44aeb7d3"/>
+  </ds:schemaRefs>
+</ds:datastoreItem>
 </file>
 
-<file path=customXml/item3.xml><?xml version="1.0" encoding="utf-8"?>
-<p:properties xmlns:p="http://schemas.microsoft.com/office/2006/metadata/properties" xmlns:xsi="http://www.w3.org/2001/XMLSchema-instance" xmlns:pc="http://schemas.microsoft.com/office/infopath/2007/PartnerControls">
-  <documentManagement>
-    <MediaServiceKeyPoints xmlns="dfd927c5-8623-48b7-ae5a-ce54c8032539" xsi:nil="true"/>
-  </documentManagement>
-</p:properties>
+<file path=customXml/itemProps2.xml><?xml version="1.0" encoding="utf-8"?>
+<ds:datastoreItem xmlns:ds="http://schemas.openxmlformats.org/officeDocument/2006/customXml" ds:itemID="{3C8E00D1-8EA3-4E42-801D-0253E1EAFC21}">
+  <ds:schemaRefs>
+    <ds:schemaRef ds:uri="http://schemas.microsoft.com/sharepoint/v3/contenttype/forms"/>
+  </ds:schemaRefs>
+</ds:datastoreItem>
 </file>
 
-<file path=customXml/itemProps1.xml><?xml version="1.0" encoding="utf-8"?>
+<file path=customXml/itemProps3.xml><?xml version="1.0" encoding="utf-8"?>
 <ds:datastoreItem xmlns:ds="http://schemas.openxmlformats.org/officeDocument/2006/customXml" ds:itemID="{A88DDD15-BFA9-4226-97F8-52D0162D3FF0}">
   <ds:schemaRefs>
     <ds:schemaRef ds:uri="http://schemas.microsoft.com/office/2006/metadata/contentType"/>
@@ -24780,29 +24789,4 @@
     <ds:schemaRef ds:uri="http://schemas.microsoft.com/internal/obd"/>
   </ds:schemaRefs>
 </ds:datastoreItem>
-</file>
-
-<file path=customXml/itemProps2.xml><?xml version="1.0" encoding="utf-8"?>
-<ds:datastoreItem xmlns:ds="http://schemas.openxmlformats.org/officeDocument/2006/customXml" ds:itemID="{3C8E00D1-8EA3-4E42-801D-0253E1EAFC21}">
-  <ds:schemaRefs>
-    <ds:schemaRef ds:uri="http://schemas.microsoft.com/sharepoint/v3/contenttype/forms"/>
-  </ds:schemaRefs>
-</ds:datastoreItem>
-</file>
-
-<file path=customXml/itemProps3.xml><?xml version="1.0" encoding="utf-8"?>
-<ds:datastoreItem xmlns:ds="http://schemas.openxmlformats.org/officeDocument/2006/customXml" ds:itemID="{99919F73-B6C2-4A43-95E2-833EC48925FE}">
-  <ds:schemaRefs>
-    <ds:schemaRef ds:uri="http://schemas.microsoft.com/office/2006/metadata/properties"/>
-    <ds:schemaRef ds:uri="http://purl.org/dc/dcmitype/"/>
-    <ds:schemaRef ds:uri="http://purl.org/dc/elements/1.1/"/>
-    <ds:schemaRef ds:uri="dfd927c5-8623-48b7-ae5a-ce54c8032539"/>
-    <ds:schemaRef ds:uri="http://schemas.microsoft.com/office/2006/documentManagement/types"/>
-    <ds:schemaRef ds:uri="http://purl.org/dc/terms/"/>
-    <ds:schemaRef ds:uri="http://www.w3.org/XML/1998/namespace"/>
-    <ds:schemaRef ds:uri="http://schemas.microsoft.com/office/infopath/2007/PartnerControls"/>
-    <ds:schemaRef ds:uri="http://schemas.openxmlformats.org/package/2006/metadata/core-properties"/>
-    <ds:schemaRef ds:uri="17cdc4df-46c2-4dfc-8be1-c19f44aeb7d3"/>
-  </ds:schemaRefs>
-</ds:datastoreItem>
 </file>
--- a/mhw2.pptx
+++ b/mhw2.pptx
@@ -244,7 +244,7 @@
           <a:p>
             <a:fld id="{73EDD7B2-2DB1-4292-9CED-B6D9BDCC5040}" type="datetime1">
               <a:rPr lang="it-IT" smtClean="0"/>
-              <a:t>11/04/2021</a:t>
+              <a:t>12/04/2021</a:t>
             </a:fld>
             <a:endParaRPr lang="it-IT" dirty="0"/>
           </a:p>
@@ -424,7 +424,7 @@
             <a:fld id="{456F714F-066B-41A5-A6BD-50516EB8C346}" type="datetime1">
               <a:rPr lang="it-IT" smtClean="0"/>
               <a:pPr/>
-              <a:t>11/04/2021</a:t>
+              <a:t>12/04/2021</a:t>
             </a:fld>
             <a:endParaRPr lang="it-IT" dirty="0"/>
           </a:p>
@@ -12376,7 +12376,7 @@
                 <a:effectLst/>
                 <a:latin typeface="Consolas" panose="020B0609020204030204" pitchFamily="49" charset="0"/>
               </a:rPr>
-              <a:t>, hide</a:t>
+              <a:t> hide</a:t>
             </a:r>
             <a:r>
               <a:rPr lang="it-IT" sz="1600" b="0" dirty="0">
@@ -12762,7 +12762,7 @@
                 <a:effectLst/>
                 <a:latin typeface="Consolas" panose="020B0609020204030204" pitchFamily="49" charset="0"/>
               </a:rPr>
-              <a:t>, hide</a:t>
+              <a:t> hide</a:t>
             </a:r>
             <a:r>
               <a:rPr lang="it-IT" sz="1600" b="0" dirty="0">
@@ -24528,6 +24528,23 @@
 </file>
 
 <file path=customXml/item1.xml><?xml version="1.0" encoding="utf-8"?>
+<p:properties xmlns:p="http://schemas.microsoft.com/office/2006/metadata/properties" xmlns:xsi="http://www.w3.org/2001/XMLSchema-instance" xmlns:pc="http://schemas.microsoft.com/office/infopath/2007/PartnerControls">
+  <documentManagement>
+    <MediaServiceKeyPoints xmlns="dfd927c5-8623-48b7-ae5a-ce54c8032539" xsi:nil="true"/>
+  </documentManagement>
+</p:properties>
+</file>
+
+<file path=customXml/item2.xml><?xml version="1.0" encoding="utf-8"?>
+<?mso-contentType ?>
+<FormTemplates xmlns="http://schemas.microsoft.com/sharepoint/v3/contenttype/forms">
+  <Display>DocumentLibraryForm</Display>
+  <Edit>DocumentLibraryForm</Edit>
+  <New>DocumentLibraryForm</New>
+</FormTemplates>
+</file>
+
+<file path=customXml/item3.xml><?xml version="1.0" encoding="utf-8"?>
 <ct:contentTypeSchema xmlns:ct="http://schemas.microsoft.com/office/2006/metadata/contentType" xmlns:ma="http://schemas.microsoft.com/office/2006/metadata/properties/metaAttributes" ct:_="" ma:_="" ma:contentTypeName="Document" ma:contentTypeID="0x0101000D5D75B721B90A42806E57DEBE17795F" ma:contentTypeVersion="11" ma:contentTypeDescription="Create a new document." ma:contentTypeScope="" ma:versionID="f441ee26d7602081d6108f40f6c38769">
   <xsd:schema xmlns:xsd="http://www.w3.org/2001/XMLSchema" xmlns:xs="http://www.w3.org/2001/XMLSchema" xmlns:p="http://schemas.microsoft.com/office/2006/metadata/properties" xmlns:ns3="dfd927c5-8623-48b7-ae5a-ce54c8032539" xmlns:ns4="17cdc4df-46c2-4dfc-8be1-c19f44aeb7d3" targetNamespace="http://schemas.microsoft.com/office/2006/metadata/properties" ma:root="true" ma:fieldsID="c32a63edfcd1873ba5beee7d971b5abf" ns3:_="" ns4:_="">
     <xsd:import namespace="dfd927c5-8623-48b7-ae5a-ce54c8032539"/>
@@ -24738,24 +24755,32 @@
 </ct:contentTypeSchema>
 </file>
 
-<file path=customXml/item2.xml><?xml version="1.0" encoding="utf-8"?>
-<?mso-contentType ?>
-<FormTemplates xmlns="http://schemas.microsoft.com/sharepoint/v3/contenttype/forms">
-  <Display>DocumentLibraryForm</Display>
-  <Edit>DocumentLibraryForm</Edit>
-  <New>DocumentLibraryForm</New>
-</FormTemplates>
+<file path=customXml/itemProps1.xml><?xml version="1.0" encoding="utf-8"?>
+<ds:datastoreItem xmlns:ds="http://schemas.openxmlformats.org/officeDocument/2006/customXml" ds:itemID="{99919F73-B6C2-4A43-95E2-833EC48925FE}">
+  <ds:schemaRefs>
+    <ds:schemaRef ds:uri="http://purl.org/dc/elements/1.1/"/>
+    <ds:schemaRef ds:uri="http://schemas.microsoft.com/office/2006/metadata/properties"/>
+    <ds:schemaRef ds:uri="17cdc4df-46c2-4dfc-8be1-c19f44aeb7d3"/>
+    <ds:schemaRef ds:uri="http://purl.org/dc/dcmitype/"/>
+    <ds:schemaRef ds:uri="http://purl.org/dc/terms/"/>
+    <ds:schemaRef ds:uri="http://schemas.microsoft.com/office/2006/documentManagement/types"/>
+    <ds:schemaRef ds:uri="dfd927c5-8623-48b7-ae5a-ce54c8032539"/>
+    <ds:schemaRef ds:uri="http://schemas.microsoft.com/office/infopath/2007/PartnerControls"/>
+    <ds:schemaRef ds:uri="http://schemas.openxmlformats.org/package/2006/metadata/core-properties"/>
+    <ds:schemaRef ds:uri="http://www.w3.org/XML/1998/namespace"/>
+  </ds:schemaRefs>
+</ds:datastoreItem>
 </file>
 
-<file path=customXml/item3.xml><?xml version="1.0" encoding="utf-8"?>
-<p:properties xmlns:p="http://schemas.microsoft.com/office/2006/metadata/properties" xmlns:xsi="http://www.w3.org/2001/XMLSchema-instance" xmlns:pc="http://schemas.microsoft.com/office/infopath/2007/PartnerControls">
-  <documentManagement>
-    <MediaServiceKeyPoints xmlns="dfd927c5-8623-48b7-ae5a-ce54c8032539" xsi:nil="true"/>
-  </documentManagement>
-</p:properties>
+<file path=customXml/itemProps2.xml><?xml version="1.0" encoding="utf-8"?>
+<ds:datastoreItem xmlns:ds="http://schemas.openxmlformats.org/officeDocument/2006/customXml" ds:itemID="{3C8E00D1-8EA3-4E42-801D-0253E1EAFC21}">
+  <ds:schemaRefs>
+    <ds:schemaRef ds:uri="http://schemas.microsoft.com/sharepoint/v3/contenttype/forms"/>
+  </ds:schemaRefs>
+</ds:datastoreItem>
 </file>
 
-<file path=customXml/itemProps1.xml><?xml version="1.0" encoding="utf-8"?>
+<file path=customXml/itemProps3.xml><?xml version="1.0" encoding="utf-8"?>
 <ds:datastoreItem xmlns:ds="http://schemas.openxmlformats.org/officeDocument/2006/customXml" ds:itemID="{A88DDD15-BFA9-4226-97F8-52D0162D3FF0}">
   <ds:schemaRefs>
     <ds:schemaRef ds:uri="http://schemas.microsoft.com/office/2006/metadata/contentType"/>
@@ -24772,29 +24797,4 @@
     <ds:schemaRef ds:uri="http://schemas.microsoft.com/internal/obd"/>
   </ds:schemaRefs>
 </ds:datastoreItem>
-</file>
-
-<file path=customXml/itemProps2.xml><?xml version="1.0" encoding="utf-8"?>
-<ds:datastoreItem xmlns:ds="http://schemas.openxmlformats.org/officeDocument/2006/customXml" ds:itemID="{3C8E00D1-8EA3-4E42-801D-0253E1EAFC21}">
-  <ds:schemaRefs>
-    <ds:schemaRef ds:uri="http://schemas.microsoft.com/sharepoint/v3/contenttype/forms"/>
-  </ds:schemaRefs>
-</ds:datastoreItem>
-</file>
-
-<file path=customXml/itemProps3.xml><?xml version="1.0" encoding="utf-8"?>
-<ds:datastoreItem xmlns:ds="http://schemas.openxmlformats.org/officeDocument/2006/customXml" ds:itemID="{99919F73-B6C2-4A43-95E2-833EC48925FE}">
-  <ds:schemaRefs>
-    <ds:schemaRef ds:uri="http://purl.org/dc/elements/1.1/"/>
-    <ds:schemaRef ds:uri="http://schemas.microsoft.com/office/2006/metadata/properties"/>
-    <ds:schemaRef ds:uri="17cdc4df-46c2-4dfc-8be1-c19f44aeb7d3"/>
-    <ds:schemaRef ds:uri="http://purl.org/dc/dcmitype/"/>
-    <ds:schemaRef ds:uri="http://purl.org/dc/terms/"/>
-    <ds:schemaRef ds:uri="http://schemas.microsoft.com/office/2006/documentManagement/types"/>
-    <ds:schemaRef ds:uri="dfd927c5-8623-48b7-ae5a-ce54c8032539"/>
-    <ds:schemaRef ds:uri="http://schemas.microsoft.com/office/infopath/2007/PartnerControls"/>
-    <ds:schemaRef ds:uri="http://schemas.openxmlformats.org/package/2006/metadata/core-properties"/>
-    <ds:schemaRef ds:uri="http://www.w3.org/XML/1998/namespace"/>
-  </ds:schemaRefs>
-</ds:datastoreItem>
 </file>